--- a/help/img/画像作成用.pptx
+++ b/help/img/画像作成用.pptx
@@ -199,7 +199,7 @@
           <a:p>
             <a:fld id="{685A68BC-8F81-4B0D-92FD-71EB7813FF7D}" type="datetimeFigureOut">
               <a:rPr kumimoji="1" lang="ja-JP" altLang="en-US" smtClean="0"/>
-              <a:t>2024/10/6</a:t>
+              <a:t>2025/6/10</a:t>
             </a:fld>
             <a:endParaRPr kumimoji="1" lang="ja-JP" altLang="en-US"/>
           </a:p>
@@ -729,7 +729,7 @@
           <a:p>
             <a:fld id="{267EFEEF-E18A-4475-85ED-60EC09292CB4}" type="datetimeFigureOut">
               <a:rPr kumimoji="1" lang="ja-JP" altLang="en-US" smtClean="0"/>
-              <a:t>2024/10/6</a:t>
+              <a:t>2025/6/10</a:t>
             </a:fld>
             <a:endParaRPr kumimoji="1" lang="ja-JP" altLang="en-US"/>
           </a:p>
@@ -959,7 +959,7 @@
           <a:p>
             <a:fld id="{267EFEEF-E18A-4475-85ED-60EC09292CB4}" type="datetimeFigureOut">
               <a:rPr kumimoji="1" lang="ja-JP" altLang="en-US" smtClean="0"/>
-              <a:t>2024/10/6</a:t>
+              <a:t>2025/6/10</a:t>
             </a:fld>
             <a:endParaRPr kumimoji="1" lang="ja-JP" altLang="en-US"/>
           </a:p>
@@ -1199,7 +1199,7 @@
           <a:p>
             <a:fld id="{267EFEEF-E18A-4475-85ED-60EC09292CB4}" type="datetimeFigureOut">
               <a:rPr kumimoji="1" lang="ja-JP" altLang="en-US" smtClean="0"/>
-              <a:t>2024/10/6</a:t>
+              <a:t>2025/6/10</a:t>
             </a:fld>
             <a:endParaRPr kumimoji="1" lang="ja-JP" altLang="en-US"/>
           </a:p>
@@ -1429,7 +1429,7 @@
           <a:p>
             <a:fld id="{267EFEEF-E18A-4475-85ED-60EC09292CB4}" type="datetimeFigureOut">
               <a:rPr kumimoji="1" lang="ja-JP" altLang="en-US" smtClean="0"/>
-              <a:t>2024/10/6</a:t>
+              <a:t>2025/6/10</a:t>
             </a:fld>
             <a:endParaRPr kumimoji="1" lang="ja-JP" altLang="en-US"/>
           </a:p>
@@ -1704,7 +1704,7 @@
           <a:p>
             <a:fld id="{267EFEEF-E18A-4475-85ED-60EC09292CB4}" type="datetimeFigureOut">
               <a:rPr kumimoji="1" lang="ja-JP" altLang="en-US" smtClean="0"/>
-              <a:t>2024/10/6</a:t>
+              <a:t>2025/6/10</a:t>
             </a:fld>
             <a:endParaRPr kumimoji="1" lang="ja-JP" altLang="en-US"/>
           </a:p>
@@ -2033,7 +2033,7 @@
           <a:p>
             <a:fld id="{267EFEEF-E18A-4475-85ED-60EC09292CB4}" type="datetimeFigureOut">
               <a:rPr kumimoji="1" lang="ja-JP" altLang="en-US" smtClean="0"/>
-              <a:t>2024/10/6</a:t>
+              <a:t>2025/6/10</a:t>
             </a:fld>
             <a:endParaRPr kumimoji="1" lang="ja-JP" altLang="en-US"/>
           </a:p>
@@ -2509,7 +2509,7 @@
           <a:p>
             <a:fld id="{267EFEEF-E18A-4475-85ED-60EC09292CB4}" type="datetimeFigureOut">
               <a:rPr kumimoji="1" lang="ja-JP" altLang="en-US" smtClean="0"/>
-              <a:t>2024/10/6</a:t>
+              <a:t>2025/6/10</a:t>
             </a:fld>
             <a:endParaRPr kumimoji="1" lang="ja-JP" altLang="en-US"/>
           </a:p>
@@ -2650,7 +2650,7 @@
           <a:p>
             <a:fld id="{267EFEEF-E18A-4475-85ED-60EC09292CB4}" type="datetimeFigureOut">
               <a:rPr kumimoji="1" lang="ja-JP" altLang="en-US" smtClean="0"/>
-              <a:t>2024/10/6</a:t>
+              <a:t>2025/6/10</a:t>
             </a:fld>
             <a:endParaRPr kumimoji="1" lang="ja-JP" altLang="en-US"/>
           </a:p>
@@ -2763,7 +2763,7 @@
           <a:p>
             <a:fld id="{267EFEEF-E18A-4475-85ED-60EC09292CB4}" type="datetimeFigureOut">
               <a:rPr kumimoji="1" lang="ja-JP" altLang="en-US" smtClean="0"/>
-              <a:t>2024/10/6</a:t>
+              <a:t>2025/6/10</a:t>
             </a:fld>
             <a:endParaRPr kumimoji="1" lang="ja-JP" altLang="en-US"/>
           </a:p>
@@ -3106,7 +3106,7 @@
           <a:p>
             <a:fld id="{267EFEEF-E18A-4475-85ED-60EC09292CB4}" type="datetimeFigureOut">
               <a:rPr kumimoji="1" lang="ja-JP" altLang="en-US" smtClean="0"/>
-              <a:t>2024/10/6</a:t>
+              <a:t>2025/6/10</a:t>
             </a:fld>
             <a:endParaRPr kumimoji="1" lang="ja-JP" altLang="en-US"/>
           </a:p>
@@ -3394,7 +3394,7 @@
           <a:p>
             <a:fld id="{267EFEEF-E18A-4475-85ED-60EC09292CB4}" type="datetimeFigureOut">
               <a:rPr kumimoji="1" lang="ja-JP" altLang="en-US" smtClean="0"/>
-              <a:t>2024/10/6</a:t>
+              <a:t>2025/6/10</a:t>
             </a:fld>
             <a:endParaRPr kumimoji="1" lang="ja-JP" altLang="en-US"/>
           </a:p>
@@ -3667,7 +3667,7 @@
           <a:p>
             <a:fld id="{267EFEEF-E18A-4475-85ED-60EC09292CB4}" type="datetimeFigureOut">
               <a:rPr kumimoji="1" lang="ja-JP" altLang="en-US" smtClean="0"/>
-              <a:t>2024/10/6</a:t>
+              <a:t>2025/6/10</a:t>
             </a:fld>
             <a:endParaRPr kumimoji="1" lang="ja-JP" altLang="en-US"/>
           </a:p>
@@ -12126,7 +12126,7 @@
                   <a:srgbClr val="FF0000"/>
                 </a:solidFill>
               </a:rPr>
-              <a:t>7,…,10,…</a:t>
+              <a:t>7,…,11</a:t>
             </a:r>
             <a:endParaRPr kumimoji="1" lang="ja-JP" altLang="en-US" sz="3000" b="1" dirty="0">
               <a:solidFill>
@@ -12214,7 +12214,7 @@
                   <a:srgbClr val="FF0000"/>
                 </a:solidFill>
               </a:rPr>
-              <a:t>8,…,15.4</a:t>
+              <a:t>8,…,15.6</a:t>
             </a:r>
             <a:endParaRPr kumimoji="1" lang="ja-JP" altLang="en-US" sz="3000" b="1" dirty="0">
               <a:solidFill>
